--- a/ppt 16-9/0752.主必看顾.pptx
+++ b/ppt 16-9/0752.主必看顾.pptx
@@ -5,7 +5,7 @@
     <p:sldMasterId id="2147483648" r:id="rId1"/>
   </p:sldMasterIdLst>
   <p:sldIdLst>
-    <p:sldId id="2001" r:id="rId2"/>
+    <p:sldId id="2002" r:id="rId2"/>
   </p:sldIdLst>
   <p:sldSz cx="12192000" cy="6858000"/>
   <p:notesSz cx="6858000" cy="9144000"/>
@@ -129,7 +129,7 @@
           <p:cNvPr id="2" name="标题 1">
             <a:extLst>
               <a:ext uri="{FF2B5EF4-FFF2-40B4-BE49-F238E27FC236}">
-                <a16:creationId xmlns:a16="http://schemas.microsoft.com/office/drawing/2014/main" id="{4E960C67-3625-3083-359C-96D1680B6ABE}"/>
+                <a16:creationId xmlns:a16="http://schemas.microsoft.com/office/drawing/2014/main" id="{A47CF954-29F4-757F-8FAB-DE215208078B}"/>
               </a:ext>
             </a:extLst>
           </p:cNvPr>
@@ -166,7 +166,7 @@
           <p:cNvPr id="3" name="副标题 2">
             <a:extLst>
               <a:ext uri="{FF2B5EF4-FFF2-40B4-BE49-F238E27FC236}">
-                <a16:creationId xmlns:a16="http://schemas.microsoft.com/office/drawing/2014/main" id="{589C390C-32B0-CB8C-7DF0-7A86C003F618}"/>
+                <a16:creationId xmlns:a16="http://schemas.microsoft.com/office/drawing/2014/main" id="{5E31925B-6DF2-ECEA-78DF-415EF9BEBD91}"/>
               </a:ext>
             </a:extLst>
           </p:cNvPr>
@@ -236,7 +236,7 @@
           <p:cNvPr id="4" name="日期占位符 3">
             <a:extLst>
               <a:ext uri="{FF2B5EF4-FFF2-40B4-BE49-F238E27FC236}">
-                <a16:creationId xmlns:a16="http://schemas.microsoft.com/office/drawing/2014/main" id="{E8384B49-1C98-2741-5B4B-77DE6FAA30CE}"/>
+                <a16:creationId xmlns:a16="http://schemas.microsoft.com/office/drawing/2014/main" id="{7D8A8BED-8CE7-462F-1F68-B952754D40C1}"/>
               </a:ext>
             </a:extLst>
           </p:cNvPr>
@@ -252,7 +252,7 @@
           <a:bodyPr/>
           <a:lstStyle/>
           <a:p>
-            <a:fld id="{ED2D97A4-04E9-4A1C-AEB9-4FA7F7D06073}" type="datetimeFigureOut">
+            <a:fld id="{65C96E44-7AFD-4798-A44E-E0AB8E68041E}" type="datetimeFigureOut">
               <a:rPr lang="zh-CN" altLang="en-US" smtClean="0"/>
               <a:t>2024/3/10</a:t>
             </a:fld>
@@ -265,7 +265,7 @@
           <p:cNvPr id="5" name="页脚占位符 4">
             <a:extLst>
               <a:ext uri="{FF2B5EF4-FFF2-40B4-BE49-F238E27FC236}">
-                <a16:creationId xmlns:a16="http://schemas.microsoft.com/office/drawing/2014/main" id="{775EC4C4-E1B4-AFEE-9E05-55CE2B6B4BEA}"/>
+                <a16:creationId xmlns:a16="http://schemas.microsoft.com/office/drawing/2014/main" id="{26843E77-B2AB-F277-6317-17297DE93D34}"/>
               </a:ext>
             </a:extLst>
           </p:cNvPr>
@@ -290,7 +290,7 @@
           <p:cNvPr id="6" name="灯片编号占位符 5">
             <a:extLst>
               <a:ext uri="{FF2B5EF4-FFF2-40B4-BE49-F238E27FC236}">
-                <a16:creationId xmlns:a16="http://schemas.microsoft.com/office/drawing/2014/main" id="{F0FBE4B8-ED42-7643-8EA1-F892C41C8C16}"/>
+                <a16:creationId xmlns:a16="http://schemas.microsoft.com/office/drawing/2014/main" id="{90F256C6-2F4F-1D1B-8EBC-E91D5BD0F1B4}"/>
               </a:ext>
             </a:extLst>
           </p:cNvPr>
@@ -306,7 +306,7 @@
           <a:bodyPr/>
           <a:lstStyle/>
           <a:p>
-            <a:fld id="{FEE172F2-02FC-4A46-8400-7EAFED2F0A19}" type="slidenum">
+            <a:fld id="{5C141389-4CEA-421A-92CA-B2C1F24A7D67}" type="slidenum">
               <a:rPr lang="zh-CN" altLang="en-US" smtClean="0"/>
               <a:t>‹#›</a:t>
             </a:fld>
@@ -317,7 +317,7 @@
     </p:spTree>
     <p:extLst>
       <p:ext uri="{BB962C8B-B14F-4D97-AF65-F5344CB8AC3E}">
-        <p14:creationId xmlns:p14="http://schemas.microsoft.com/office/powerpoint/2010/main" val="499277336"/>
+        <p14:creationId xmlns:p14="http://schemas.microsoft.com/office/powerpoint/2010/main" val="3903250366"/>
       </p:ext>
     </p:extLst>
   </p:cSld>
@@ -349,7 +349,7 @@
           <p:cNvPr id="2" name="标题 1">
             <a:extLst>
               <a:ext uri="{FF2B5EF4-FFF2-40B4-BE49-F238E27FC236}">
-                <a16:creationId xmlns:a16="http://schemas.microsoft.com/office/drawing/2014/main" id="{3070AA21-B1FB-E29B-B18A-F9F22E287118}"/>
+                <a16:creationId xmlns:a16="http://schemas.microsoft.com/office/drawing/2014/main" id="{AE5E1535-7758-5A07-4194-0790FB2C514E}"/>
               </a:ext>
             </a:extLst>
           </p:cNvPr>
@@ -377,7 +377,7 @@
           <p:cNvPr id="3" name="竖排文字占位符 2">
             <a:extLst>
               <a:ext uri="{FF2B5EF4-FFF2-40B4-BE49-F238E27FC236}">
-                <a16:creationId xmlns:a16="http://schemas.microsoft.com/office/drawing/2014/main" id="{6E274B21-E565-4598-3E1E-4C010486558D}"/>
+                <a16:creationId xmlns:a16="http://schemas.microsoft.com/office/drawing/2014/main" id="{AE5C7F2E-928D-8114-F3AB-89750C47D9CA}"/>
               </a:ext>
             </a:extLst>
           </p:cNvPr>
@@ -434,7 +434,7 @@
           <p:cNvPr id="4" name="日期占位符 3">
             <a:extLst>
               <a:ext uri="{FF2B5EF4-FFF2-40B4-BE49-F238E27FC236}">
-                <a16:creationId xmlns:a16="http://schemas.microsoft.com/office/drawing/2014/main" id="{6941DAD3-6BB0-10EA-A43E-5A79939FC2FF}"/>
+                <a16:creationId xmlns:a16="http://schemas.microsoft.com/office/drawing/2014/main" id="{9EA1FD13-B549-1B9F-D57D-BE5C09DD3E81}"/>
               </a:ext>
             </a:extLst>
           </p:cNvPr>
@@ -450,7 +450,7 @@
           <a:bodyPr/>
           <a:lstStyle/>
           <a:p>
-            <a:fld id="{ED2D97A4-04E9-4A1C-AEB9-4FA7F7D06073}" type="datetimeFigureOut">
+            <a:fld id="{65C96E44-7AFD-4798-A44E-E0AB8E68041E}" type="datetimeFigureOut">
               <a:rPr lang="zh-CN" altLang="en-US" smtClean="0"/>
               <a:t>2024/3/10</a:t>
             </a:fld>
@@ -463,7 +463,7 @@
           <p:cNvPr id="5" name="页脚占位符 4">
             <a:extLst>
               <a:ext uri="{FF2B5EF4-FFF2-40B4-BE49-F238E27FC236}">
-                <a16:creationId xmlns:a16="http://schemas.microsoft.com/office/drawing/2014/main" id="{82D5FDC1-BAF0-27C0-92B0-8B0AB97792E0}"/>
+                <a16:creationId xmlns:a16="http://schemas.microsoft.com/office/drawing/2014/main" id="{176C5C1E-1293-0A77-91AB-3FE51CB91B2B}"/>
               </a:ext>
             </a:extLst>
           </p:cNvPr>
@@ -488,7 +488,7 @@
           <p:cNvPr id="6" name="灯片编号占位符 5">
             <a:extLst>
               <a:ext uri="{FF2B5EF4-FFF2-40B4-BE49-F238E27FC236}">
-                <a16:creationId xmlns:a16="http://schemas.microsoft.com/office/drawing/2014/main" id="{F3290D21-A78F-2FCD-C4C5-D5A4C11DD6D1}"/>
+                <a16:creationId xmlns:a16="http://schemas.microsoft.com/office/drawing/2014/main" id="{B3183D76-40BC-119F-4273-623EC12FC924}"/>
               </a:ext>
             </a:extLst>
           </p:cNvPr>
@@ -504,7 +504,7 @@
           <a:bodyPr/>
           <a:lstStyle/>
           <a:p>
-            <a:fld id="{FEE172F2-02FC-4A46-8400-7EAFED2F0A19}" type="slidenum">
+            <a:fld id="{5C141389-4CEA-421A-92CA-B2C1F24A7D67}" type="slidenum">
               <a:rPr lang="zh-CN" altLang="en-US" smtClean="0"/>
               <a:t>‹#›</a:t>
             </a:fld>
@@ -515,7 +515,7 @@
     </p:spTree>
     <p:extLst>
       <p:ext uri="{BB962C8B-B14F-4D97-AF65-F5344CB8AC3E}">
-        <p14:creationId xmlns:p14="http://schemas.microsoft.com/office/powerpoint/2010/main" val="789311668"/>
+        <p14:creationId xmlns:p14="http://schemas.microsoft.com/office/powerpoint/2010/main" val="3688937150"/>
       </p:ext>
     </p:extLst>
   </p:cSld>
@@ -547,7 +547,7 @@
           <p:cNvPr id="2" name="竖排标题 1">
             <a:extLst>
               <a:ext uri="{FF2B5EF4-FFF2-40B4-BE49-F238E27FC236}">
-                <a16:creationId xmlns:a16="http://schemas.microsoft.com/office/drawing/2014/main" id="{E45D283C-DBA9-B573-B6A2-C73BFB85A107}"/>
+                <a16:creationId xmlns:a16="http://schemas.microsoft.com/office/drawing/2014/main" id="{DE64F754-5685-2B8D-26B8-B9D289643645}"/>
               </a:ext>
             </a:extLst>
           </p:cNvPr>
@@ -580,7 +580,7 @@
           <p:cNvPr id="3" name="竖排文字占位符 2">
             <a:extLst>
               <a:ext uri="{FF2B5EF4-FFF2-40B4-BE49-F238E27FC236}">
-                <a16:creationId xmlns:a16="http://schemas.microsoft.com/office/drawing/2014/main" id="{5641189C-EAEA-1D85-4A1F-E7D56C3A379E}"/>
+                <a16:creationId xmlns:a16="http://schemas.microsoft.com/office/drawing/2014/main" id="{271E7877-BBBD-0799-3257-B220CE51DDD8}"/>
               </a:ext>
             </a:extLst>
           </p:cNvPr>
@@ -642,7 +642,7 @@
           <p:cNvPr id="4" name="日期占位符 3">
             <a:extLst>
               <a:ext uri="{FF2B5EF4-FFF2-40B4-BE49-F238E27FC236}">
-                <a16:creationId xmlns:a16="http://schemas.microsoft.com/office/drawing/2014/main" id="{86107804-7B4B-CEDF-437B-C79245254F45}"/>
+                <a16:creationId xmlns:a16="http://schemas.microsoft.com/office/drawing/2014/main" id="{6D10585A-BED0-84AA-9F1A-7B23C41B0390}"/>
               </a:ext>
             </a:extLst>
           </p:cNvPr>
@@ -658,7 +658,7 @@
           <a:bodyPr/>
           <a:lstStyle/>
           <a:p>
-            <a:fld id="{ED2D97A4-04E9-4A1C-AEB9-4FA7F7D06073}" type="datetimeFigureOut">
+            <a:fld id="{65C96E44-7AFD-4798-A44E-E0AB8E68041E}" type="datetimeFigureOut">
               <a:rPr lang="zh-CN" altLang="en-US" smtClean="0"/>
               <a:t>2024/3/10</a:t>
             </a:fld>
@@ -671,7 +671,7 @@
           <p:cNvPr id="5" name="页脚占位符 4">
             <a:extLst>
               <a:ext uri="{FF2B5EF4-FFF2-40B4-BE49-F238E27FC236}">
-                <a16:creationId xmlns:a16="http://schemas.microsoft.com/office/drawing/2014/main" id="{5CEB5F91-A8C5-49AA-793D-C09199695F44}"/>
+                <a16:creationId xmlns:a16="http://schemas.microsoft.com/office/drawing/2014/main" id="{965A33A5-0661-2D57-B0F2-25F8B61F9427}"/>
               </a:ext>
             </a:extLst>
           </p:cNvPr>
@@ -696,7 +696,7 @@
           <p:cNvPr id="6" name="灯片编号占位符 5">
             <a:extLst>
               <a:ext uri="{FF2B5EF4-FFF2-40B4-BE49-F238E27FC236}">
-                <a16:creationId xmlns:a16="http://schemas.microsoft.com/office/drawing/2014/main" id="{8C6899A8-8815-1D7D-7D02-1799952E730A}"/>
+                <a16:creationId xmlns:a16="http://schemas.microsoft.com/office/drawing/2014/main" id="{7F2382A9-0D10-49F9-D9A4-98829BAC16B7}"/>
               </a:ext>
             </a:extLst>
           </p:cNvPr>
@@ -712,7 +712,7 @@
           <a:bodyPr/>
           <a:lstStyle/>
           <a:p>
-            <a:fld id="{FEE172F2-02FC-4A46-8400-7EAFED2F0A19}" type="slidenum">
+            <a:fld id="{5C141389-4CEA-421A-92CA-B2C1F24A7D67}" type="slidenum">
               <a:rPr lang="zh-CN" altLang="en-US" smtClean="0"/>
               <a:t>‹#›</a:t>
             </a:fld>
@@ -723,7 +723,7 @@
     </p:spTree>
     <p:extLst>
       <p:ext uri="{BB962C8B-B14F-4D97-AF65-F5344CB8AC3E}">
-        <p14:creationId xmlns:p14="http://schemas.microsoft.com/office/powerpoint/2010/main" val="2536899484"/>
+        <p14:creationId xmlns:p14="http://schemas.microsoft.com/office/powerpoint/2010/main" val="2990187028"/>
       </p:ext>
     </p:extLst>
   </p:cSld>
@@ -755,7 +755,7 @@
           <p:cNvPr id="2" name="标题 1">
             <a:extLst>
               <a:ext uri="{FF2B5EF4-FFF2-40B4-BE49-F238E27FC236}">
-                <a16:creationId xmlns:a16="http://schemas.microsoft.com/office/drawing/2014/main" id="{2D05B1DD-3CD4-7CDE-1845-4AD314FA1404}"/>
+                <a16:creationId xmlns:a16="http://schemas.microsoft.com/office/drawing/2014/main" id="{6E4A7CA6-9C61-17CD-0FFD-B343C671984F}"/>
               </a:ext>
             </a:extLst>
           </p:cNvPr>
@@ -783,7 +783,7 @@
           <p:cNvPr id="3" name="内容占位符 2">
             <a:extLst>
               <a:ext uri="{FF2B5EF4-FFF2-40B4-BE49-F238E27FC236}">
-                <a16:creationId xmlns:a16="http://schemas.microsoft.com/office/drawing/2014/main" id="{463E5103-27BE-EF60-EA3E-123AA4800BC5}"/>
+                <a16:creationId xmlns:a16="http://schemas.microsoft.com/office/drawing/2014/main" id="{C3761588-FC3F-0563-01C4-DA8891C21317}"/>
               </a:ext>
             </a:extLst>
           </p:cNvPr>
@@ -840,7 +840,7 @@
           <p:cNvPr id="4" name="日期占位符 3">
             <a:extLst>
               <a:ext uri="{FF2B5EF4-FFF2-40B4-BE49-F238E27FC236}">
-                <a16:creationId xmlns:a16="http://schemas.microsoft.com/office/drawing/2014/main" id="{D1990BC8-598C-8278-42BE-D606F1A68C9D}"/>
+                <a16:creationId xmlns:a16="http://schemas.microsoft.com/office/drawing/2014/main" id="{C4F69D91-C042-6CCC-151F-6BD81079326F}"/>
               </a:ext>
             </a:extLst>
           </p:cNvPr>
@@ -856,7 +856,7 @@
           <a:bodyPr/>
           <a:lstStyle/>
           <a:p>
-            <a:fld id="{ED2D97A4-04E9-4A1C-AEB9-4FA7F7D06073}" type="datetimeFigureOut">
+            <a:fld id="{65C96E44-7AFD-4798-A44E-E0AB8E68041E}" type="datetimeFigureOut">
               <a:rPr lang="zh-CN" altLang="en-US" smtClean="0"/>
               <a:t>2024/3/10</a:t>
             </a:fld>
@@ -869,7 +869,7 @@
           <p:cNvPr id="5" name="页脚占位符 4">
             <a:extLst>
               <a:ext uri="{FF2B5EF4-FFF2-40B4-BE49-F238E27FC236}">
-                <a16:creationId xmlns:a16="http://schemas.microsoft.com/office/drawing/2014/main" id="{552A26B5-7B01-FB28-C418-9E8C0A1CDC51}"/>
+                <a16:creationId xmlns:a16="http://schemas.microsoft.com/office/drawing/2014/main" id="{CB287891-B8B8-A5EE-8943-907A33901447}"/>
               </a:ext>
             </a:extLst>
           </p:cNvPr>
@@ -894,7 +894,7 @@
           <p:cNvPr id="6" name="灯片编号占位符 5">
             <a:extLst>
               <a:ext uri="{FF2B5EF4-FFF2-40B4-BE49-F238E27FC236}">
-                <a16:creationId xmlns:a16="http://schemas.microsoft.com/office/drawing/2014/main" id="{18421E07-32E6-4770-6279-BFE6977569A3}"/>
+                <a16:creationId xmlns:a16="http://schemas.microsoft.com/office/drawing/2014/main" id="{13CBDE0B-6986-DDAF-0DEA-63BB129DA1BF}"/>
               </a:ext>
             </a:extLst>
           </p:cNvPr>
@@ -910,7 +910,7 @@
           <a:bodyPr/>
           <a:lstStyle/>
           <a:p>
-            <a:fld id="{FEE172F2-02FC-4A46-8400-7EAFED2F0A19}" type="slidenum">
+            <a:fld id="{5C141389-4CEA-421A-92CA-B2C1F24A7D67}" type="slidenum">
               <a:rPr lang="zh-CN" altLang="en-US" smtClean="0"/>
               <a:t>‹#›</a:t>
             </a:fld>
@@ -921,7 +921,7 @@
     </p:spTree>
     <p:extLst>
       <p:ext uri="{BB962C8B-B14F-4D97-AF65-F5344CB8AC3E}">
-        <p14:creationId xmlns:p14="http://schemas.microsoft.com/office/powerpoint/2010/main" val="252431015"/>
+        <p14:creationId xmlns:p14="http://schemas.microsoft.com/office/powerpoint/2010/main" val="3384872551"/>
       </p:ext>
     </p:extLst>
   </p:cSld>
@@ -953,7 +953,7 @@
           <p:cNvPr id="2" name="标题 1">
             <a:extLst>
               <a:ext uri="{FF2B5EF4-FFF2-40B4-BE49-F238E27FC236}">
-                <a16:creationId xmlns:a16="http://schemas.microsoft.com/office/drawing/2014/main" id="{C739FDC0-F3FC-A331-943F-DB2E70218499}"/>
+                <a16:creationId xmlns:a16="http://schemas.microsoft.com/office/drawing/2014/main" id="{A598AAE6-711C-37C5-C2FE-3A47A915A8CD}"/>
               </a:ext>
             </a:extLst>
           </p:cNvPr>
@@ -990,7 +990,7 @@
           <p:cNvPr id="3" name="文本占位符 2">
             <a:extLst>
               <a:ext uri="{FF2B5EF4-FFF2-40B4-BE49-F238E27FC236}">
-                <a16:creationId xmlns:a16="http://schemas.microsoft.com/office/drawing/2014/main" id="{7A2B7718-041B-FB08-196B-19CB1232C9AA}"/>
+                <a16:creationId xmlns:a16="http://schemas.microsoft.com/office/drawing/2014/main" id="{3B9FA568-1F4C-4107-617E-15E64188075E}"/>
               </a:ext>
             </a:extLst>
           </p:cNvPr>
@@ -1115,7 +1115,7 @@
           <p:cNvPr id="4" name="日期占位符 3">
             <a:extLst>
               <a:ext uri="{FF2B5EF4-FFF2-40B4-BE49-F238E27FC236}">
-                <a16:creationId xmlns:a16="http://schemas.microsoft.com/office/drawing/2014/main" id="{EAB1FEC8-30E7-326B-4A06-E4A0B4FE9482}"/>
+                <a16:creationId xmlns:a16="http://schemas.microsoft.com/office/drawing/2014/main" id="{6997E34B-F94D-9A3C-9A24-4B73AC5C60BE}"/>
               </a:ext>
             </a:extLst>
           </p:cNvPr>
@@ -1131,7 +1131,7 @@
           <a:bodyPr/>
           <a:lstStyle/>
           <a:p>
-            <a:fld id="{ED2D97A4-04E9-4A1C-AEB9-4FA7F7D06073}" type="datetimeFigureOut">
+            <a:fld id="{65C96E44-7AFD-4798-A44E-E0AB8E68041E}" type="datetimeFigureOut">
               <a:rPr lang="zh-CN" altLang="en-US" smtClean="0"/>
               <a:t>2024/3/10</a:t>
             </a:fld>
@@ -1144,7 +1144,7 @@
           <p:cNvPr id="5" name="页脚占位符 4">
             <a:extLst>
               <a:ext uri="{FF2B5EF4-FFF2-40B4-BE49-F238E27FC236}">
-                <a16:creationId xmlns:a16="http://schemas.microsoft.com/office/drawing/2014/main" id="{6448A095-F9F3-FE8D-6DF7-C76F38788277}"/>
+                <a16:creationId xmlns:a16="http://schemas.microsoft.com/office/drawing/2014/main" id="{0A8AB086-20D5-4DDD-B2E9-E1B5679DABCC}"/>
               </a:ext>
             </a:extLst>
           </p:cNvPr>
@@ -1169,7 +1169,7 @@
           <p:cNvPr id="6" name="灯片编号占位符 5">
             <a:extLst>
               <a:ext uri="{FF2B5EF4-FFF2-40B4-BE49-F238E27FC236}">
-                <a16:creationId xmlns:a16="http://schemas.microsoft.com/office/drawing/2014/main" id="{5F5C5D11-0A23-FD6E-A347-9EBE94C3AFFC}"/>
+                <a16:creationId xmlns:a16="http://schemas.microsoft.com/office/drawing/2014/main" id="{CE93EAB3-4CF7-3CA5-9779-7BEB47BAA126}"/>
               </a:ext>
             </a:extLst>
           </p:cNvPr>
@@ -1185,7 +1185,7 @@
           <a:bodyPr/>
           <a:lstStyle/>
           <a:p>
-            <a:fld id="{FEE172F2-02FC-4A46-8400-7EAFED2F0A19}" type="slidenum">
+            <a:fld id="{5C141389-4CEA-421A-92CA-B2C1F24A7D67}" type="slidenum">
               <a:rPr lang="zh-CN" altLang="en-US" smtClean="0"/>
               <a:t>‹#›</a:t>
             </a:fld>
@@ -1196,7 +1196,7 @@
     </p:spTree>
     <p:extLst>
       <p:ext uri="{BB962C8B-B14F-4D97-AF65-F5344CB8AC3E}">
-        <p14:creationId xmlns:p14="http://schemas.microsoft.com/office/powerpoint/2010/main" val="2154447807"/>
+        <p14:creationId xmlns:p14="http://schemas.microsoft.com/office/powerpoint/2010/main" val="928713481"/>
       </p:ext>
     </p:extLst>
   </p:cSld>
@@ -1228,7 +1228,7 @@
           <p:cNvPr id="2" name="标题 1">
             <a:extLst>
               <a:ext uri="{FF2B5EF4-FFF2-40B4-BE49-F238E27FC236}">
-                <a16:creationId xmlns:a16="http://schemas.microsoft.com/office/drawing/2014/main" id="{DC62946B-8999-5189-C100-BF1E7B358FDF}"/>
+                <a16:creationId xmlns:a16="http://schemas.microsoft.com/office/drawing/2014/main" id="{23174931-2E5F-EC82-FF38-D795D339BBB0}"/>
               </a:ext>
             </a:extLst>
           </p:cNvPr>
@@ -1256,7 +1256,7 @@
           <p:cNvPr id="3" name="内容占位符 2">
             <a:extLst>
               <a:ext uri="{FF2B5EF4-FFF2-40B4-BE49-F238E27FC236}">
-                <a16:creationId xmlns:a16="http://schemas.microsoft.com/office/drawing/2014/main" id="{FECBC6A0-DF20-A103-E1AF-9CF8D4E4E086}"/>
+                <a16:creationId xmlns:a16="http://schemas.microsoft.com/office/drawing/2014/main" id="{9239FEE1-AC1D-571D-9D30-DFCE0396D0F3}"/>
               </a:ext>
             </a:extLst>
           </p:cNvPr>
@@ -1318,7 +1318,7 @@
           <p:cNvPr id="4" name="内容占位符 3">
             <a:extLst>
               <a:ext uri="{FF2B5EF4-FFF2-40B4-BE49-F238E27FC236}">
-                <a16:creationId xmlns:a16="http://schemas.microsoft.com/office/drawing/2014/main" id="{2B717BED-04A9-25AB-5EC3-3E128812F2E3}"/>
+                <a16:creationId xmlns:a16="http://schemas.microsoft.com/office/drawing/2014/main" id="{D5F8F1C1-9473-6FD2-57B6-F306CE766907}"/>
               </a:ext>
             </a:extLst>
           </p:cNvPr>
@@ -1380,7 +1380,7 @@
           <p:cNvPr id="5" name="日期占位符 4">
             <a:extLst>
               <a:ext uri="{FF2B5EF4-FFF2-40B4-BE49-F238E27FC236}">
-                <a16:creationId xmlns:a16="http://schemas.microsoft.com/office/drawing/2014/main" id="{01633938-EFBF-8B2A-7CC4-715EE08E5F62}"/>
+                <a16:creationId xmlns:a16="http://schemas.microsoft.com/office/drawing/2014/main" id="{E87D2D1F-94E2-8C60-7D0E-258A3468F860}"/>
               </a:ext>
             </a:extLst>
           </p:cNvPr>
@@ -1396,7 +1396,7 @@
           <a:bodyPr/>
           <a:lstStyle/>
           <a:p>
-            <a:fld id="{ED2D97A4-04E9-4A1C-AEB9-4FA7F7D06073}" type="datetimeFigureOut">
+            <a:fld id="{65C96E44-7AFD-4798-A44E-E0AB8E68041E}" type="datetimeFigureOut">
               <a:rPr lang="zh-CN" altLang="en-US" smtClean="0"/>
               <a:t>2024/3/10</a:t>
             </a:fld>
@@ -1409,7 +1409,7 @@
           <p:cNvPr id="6" name="页脚占位符 5">
             <a:extLst>
               <a:ext uri="{FF2B5EF4-FFF2-40B4-BE49-F238E27FC236}">
-                <a16:creationId xmlns:a16="http://schemas.microsoft.com/office/drawing/2014/main" id="{79B7C8D1-5D78-9874-4BFF-D2ACC9A156A4}"/>
+                <a16:creationId xmlns:a16="http://schemas.microsoft.com/office/drawing/2014/main" id="{CDEFC1D5-3234-E3F9-06B3-5B768516E563}"/>
               </a:ext>
             </a:extLst>
           </p:cNvPr>
@@ -1434,7 +1434,7 @@
           <p:cNvPr id="7" name="灯片编号占位符 6">
             <a:extLst>
               <a:ext uri="{FF2B5EF4-FFF2-40B4-BE49-F238E27FC236}">
-                <a16:creationId xmlns:a16="http://schemas.microsoft.com/office/drawing/2014/main" id="{7F624404-1144-A84F-3108-427F9264A175}"/>
+                <a16:creationId xmlns:a16="http://schemas.microsoft.com/office/drawing/2014/main" id="{BE69E28F-6AA5-7671-00EA-40C39A568A75}"/>
               </a:ext>
             </a:extLst>
           </p:cNvPr>
@@ -1450,7 +1450,7 @@
           <a:bodyPr/>
           <a:lstStyle/>
           <a:p>
-            <a:fld id="{FEE172F2-02FC-4A46-8400-7EAFED2F0A19}" type="slidenum">
+            <a:fld id="{5C141389-4CEA-421A-92CA-B2C1F24A7D67}" type="slidenum">
               <a:rPr lang="zh-CN" altLang="en-US" smtClean="0"/>
               <a:t>‹#›</a:t>
             </a:fld>
@@ -1461,7 +1461,7 @@
     </p:spTree>
     <p:extLst>
       <p:ext uri="{BB962C8B-B14F-4D97-AF65-F5344CB8AC3E}">
-        <p14:creationId xmlns:p14="http://schemas.microsoft.com/office/powerpoint/2010/main" val="967667095"/>
+        <p14:creationId xmlns:p14="http://schemas.microsoft.com/office/powerpoint/2010/main" val="752710623"/>
       </p:ext>
     </p:extLst>
   </p:cSld>
@@ -1493,7 +1493,7 @@
           <p:cNvPr id="2" name="标题 1">
             <a:extLst>
               <a:ext uri="{FF2B5EF4-FFF2-40B4-BE49-F238E27FC236}">
-                <a16:creationId xmlns:a16="http://schemas.microsoft.com/office/drawing/2014/main" id="{9B84B7C9-E160-2839-8C4F-43402AF34FFD}"/>
+                <a16:creationId xmlns:a16="http://schemas.microsoft.com/office/drawing/2014/main" id="{93121818-E72B-38EB-3506-5CA7A64BEC27}"/>
               </a:ext>
             </a:extLst>
           </p:cNvPr>
@@ -1526,7 +1526,7 @@
           <p:cNvPr id="3" name="文本占位符 2">
             <a:extLst>
               <a:ext uri="{FF2B5EF4-FFF2-40B4-BE49-F238E27FC236}">
-                <a16:creationId xmlns:a16="http://schemas.microsoft.com/office/drawing/2014/main" id="{3000791A-5A3D-5C4D-F1A5-9F047FF58CDC}"/>
+                <a16:creationId xmlns:a16="http://schemas.microsoft.com/office/drawing/2014/main" id="{7FEA60EA-4834-95AC-2B33-7C5BC42FBFA0}"/>
               </a:ext>
             </a:extLst>
           </p:cNvPr>
@@ -1597,7 +1597,7 @@
           <p:cNvPr id="4" name="内容占位符 3">
             <a:extLst>
               <a:ext uri="{FF2B5EF4-FFF2-40B4-BE49-F238E27FC236}">
-                <a16:creationId xmlns:a16="http://schemas.microsoft.com/office/drawing/2014/main" id="{D90929BB-FA54-2B79-0F9A-C7A365171892}"/>
+                <a16:creationId xmlns:a16="http://schemas.microsoft.com/office/drawing/2014/main" id="{1F2C882B-4782-3098-CE44-02CD8293FA26}"/>
               </a:ext>
             </a:extLst>
           </p:cNvPr>
@@ -1659,7 +1659,7 @@
           <p:cNvPr id="5" name="文本占位符 4">
             <a:extLst>
               <a:ext uri="{FF2B5EF4-FFF2-40B4-BE49-F238E27FC236}">
-                <a16:creationId xmlns:a16="http://schemas.microsoft.com/office/drawing/2014/main" id="{4AC4CD7E-A491-21A3-6BF9-AD775984BC12}"/>
+                <a16:creationId xmlns:a16="http://schemas.microsoft.com/office/drawing/2014/main" id="{FE314292-EF88-030A-A58D-F87590A60325}"/>
               </a:ext>
             </a:extLst>
           </p:cNvPr>
@@ -1730,7 +1730,7 @@
           <p:cNvPr id="6" name="内容占位符 5">
             <a:extLst>
               <a:ext uri="{FF2B5EF4-FFF2-40B4-BE49-F238E27FC236}">
-                <a16:creationId xmlns:a16="http://schemas.microsoft.com/office/drawing/2014/main" id="{9B129AEC-4478-2D6B-A79D-4321F6AF00A4}"/>
+                <a16:creationId xmlns:a16="http://schemas.microsoft.com/office/drawing/2014/main" id="{21FB2F20-EAAC-8661-69AF-581940F41C24}"/>
               </a:ext>
             </a:extLst>
           </p:cNvPr>
@@ -1792,7 +1792,7 @@
           <p:cNvPr id="7" name="日期占位符 6">
             <a:extLst>
               <a:ext uri="{FF2B5EF4-FFF2-40B4-BE49-F238E27FC236}">
-                <a16:creationId xmlns:a16="http://schemas.microsoft.com/office/drawing/2014/main" id="{72A181AF-C6D3-9EE5-D9FB-0880A5E94F71}"/>
+                <a16:creationId xmlns:a16="http://schemas.microsoft.com/office/drawing/2014/main" id="{DD1C9099-9065-764E-E3CD-1DC47EB65836}"/>
               </a:ext>
             </a:extLst>
           </p:cNvPr>
@@ -1808,7 +1808,7 @@
           <a:bodyPr/>
           <a:lstStyle/>
           <a:p>
-            <a:fld id="{ED2D97A4-04E9-4A1C-AEB9-4FA7F7D06073}" type="datetimeFigureOut">
+            <a:fld id="{65C96E44-7AFD-4798-A44E-E0AB8E68041E}" type="datetimeFigureOut">
               <a:rPr lang="zh-CN" altLang="en-US" smtClean="0"/>
               <a:t>2024/3/10</a:t>
             </a:fld>
@@ -1821,7 +1821,7 @@
           <p:cNvPr id="8" name="页脚占位符 7">
             <a:extLst>
               <a:ext uri="{FF2B5EF4-FFF2-40B4-BE49-F238E27FC236}">
-                <a16:creationId xmlns:a16="http://schemas.microsoft.com/office/drawing/2014/main" id="{1ACBCF42-468F-69B6-FEDE-35E7F7321DB1}"/>
+                <a16:creationId xmlns:a16="http://schemas.microsoft.com/office/drawing/2014/main" id="{003A806F-EDA7-BAAB-C437-A80C5D79E0C7}"/>
               </a:ext>
             </a:extLst>
           </p:cNvPr>
@@ -1846,7 +1846,7 @@
           <p:cNvPr id="9" name="灯片编号占位符 8">
             <a:extLst>
               <a:ext uri="{FF2B5EF4-FFF2-40B4-BE49-F238E27FC236}">
-                <a16:creationId xmlns:a16="http://schemas.microsoft.com/office/drawing/2014/main" id="{2556EE78-FA14-47F3-5EFD-86455F8BB41F}"/>
+                <a16:creationId xmlns:a16="http://schemas.microsoft.com/office/drawing/2014/main" id="{74C25BFE-C345-F858-890A-610F4F324E0B}"/>
               </a:ext>
             </a:extLst>
           </p:cNvPr>
@@ -1862,7 +1862,7 @@
           <a:bodyPr/>
           <a:lstStyle/>
           <a:p>
-            <a:fld id="{FEE172F2-02FC-4A46-8400-7EAFED2F0A19}" type="slidenum">
+            <a:fld id="{5C141389-4CEA-421A-92CA-B2C1F24A7D67}" type="slidenum">
               <a:rPr lang="zh-CN" altLang="en-US" smtClean="0"/>
               <a:t>‹#›</a:t>
             </a:fld>
@@ -1873,7 +1873,7 @@
     </p:spTree>
     <p:extLst>
       <p:ext uri="{BB962C8B-B14F-4D97-AF65-F5344CB8AC3E}">
-        <p14:creationId xmlns:p14="http://schemas.microsoft.com/office/powerpoint/2010/main" val="1769876925"/>
+        <p14:creationId xmlns:p14="http://schemas.microsoft.com/office/powerpoint/2010/main" val="2177546559"/>
       </p:ext>
     </p:extLst>
   </p:cSld>
@@ -1905,7 +1905,7 @@
           <p:cNvPr id="2" name="标题 1">
             <a:extLst>
               <a:ext uri="{FF2B5EF4-FFF2-40B4-BE49-F238E27FC236}">
-                <a16:creationId xmlns:a16="http://schemas.microsoft.com/office/drawing/2014/main" id="{713718CA-A611-54B4-26CE-DAF5904EF862}"/>
+                <a16:creationId xmlns:a16="http://schemas.microsoft.com/office/drawing/2014/main" id="{61C9B623-8EC9-D972-6ABD-DABE069A1744}"/>
               </a:ext>
             </a:extLst>
           </p:cNvPr>
@@ -1933,7 +1933,7 @@
           <p:cNvPr id="3" name="日期占位符 2">
             <a:extLst>
               <a:ext uri="{FF2B5EF4-FFF2-40B4-BE49-F238E27FC236}">
-                <a16:creationId xmlns:a16="http://schemas.microsoft.com/office/drawing/2014/main" id="{28B713CE-B426-ACD1-F918-116A87CDFDD8}"/>
+                <a16:creationId xmlns:a16="http://schemas.microsoft.com/office/drawing/2014/main" id="{C72B8345-02AE-D13E-9D4D-D1D2BF0F7276}"/>
               </a:ext>
             </a:extLst>
           </p:cNvPr>
@@ -1949,7 +1949,7 @@
           <a:bodyPr/>
           <a:lstStyle/>
           <a:p>
-            <a:fld id="{ED2D97A4-04E9-4A1C-AEB9-4FA7F7D06073}" type="datetimeFigureOut">
+            <a:fld id="{65C96E44-7AFD-4798-A44E-E0AB8E68041E}" type="datetimeFigureOut">
               <a:rPr lang="zh-CN" altLang="en-US" smtClean="0"/>
               <a:t>2024/3/10</a:t>
             </a:fld>
@@ -1962,7 +1962,7 @@
           <p:cNvPr id="4" name="页脚占位符 3">
             <a:extLst>
               <a:ext uri="{FF2B5EF4-FFF2-40B4-BE49-F238E27FC236}">
-                <a16:creationId xmlns:a16="http://schemas.microsoft.com/office/drawing/2014/main" id="{8B14A06F-C50A-4CCB-71DF-18441F3413A2}"/>
+                <a16:creationId xmlns:a16="http://schemas.microsoft.com/office/drawing/2014/main" id="{859F2B13-0BE3-2A42-8645-F4C2EBCCA5BD}"/>
               </a:ext>
             </a:extLst>
           </p:cNvPr>
@@ -1987,7 +1987,7 @@
           <p:cNvPr id="5" name="灯片编号占位符 4">
             <a:extLst>
               <a:ext uri="{FF2B5EF4-FFF2-40B4-BE49-F238E27FC236}">
-                <a16:creationId xmlns:a16="http://schemas.microsoft.com/office/drawing/2014/main" id="{A4A18F5F-5917-DFA8-4228-89025A026549}"/>
+                <a16:creationId xmlns:a16="http://schemas.microsoft.com/office/drawing/2014/main" id="{062119DE-A1E4-C0C5-705A-8C7A8896B3E5}"/>
               </a:ext>
             </a:extLst>
           </p:cNvPr>
@@ -2003,7 +2003,7 @@
           <a:bodyPr/>
           <a:lstStyle/>
           <a:p>
-            <a:fld id="{FEE172F2-02FC-4A46-8400-7EAFED2F0A19}" type="slidenum">
+            <a:fld id="{5C141389-4CEA-421A-92CA-B2C1F24A7D67}" type="slidenum">
               <a:rPr lang="zh-CN" altLang="en-US" smtClean="0"/>
               <a:t>‹#›</a:t>
             </a:fld>
@@ -2014,7 +2014,7 @@
     </p:spTree>
     <p:extLst>
       <p:ext uri="{BB962C8B-B14F-4D97-AF65-F5344CB8AC3E}">
-        <p14:creationId xmlns:p14="http://schemas.microsoft.com/office/powerpoint/2010/main" val="2927152902"/>
+        <p14:creationId xmlns:p14="http://schemas.microsoft.com/office/powerpoint/2010/main" val="2136037124"/>
       </p:ext>
     </p:extLst>
   </p:cSld>
@@ -2046,7 +2046,7 @@
           <p:cNvPr id="2" name="日期占位符 1">
             <a:extLst>
               <a:ext uri="{FF2B5EF4-FFF2-40B4-BE49-F238E27FC236}">
-                <a16:creationId xmlns:a16="http://schemas.microsoft.com/office/drawing/2014/main" id="{3D0F8A9E-07F2-8EFC-5F70-7ED17E6C4420}"/>
+                <a16:creationId xmlns:a16="http://schemas.microsoft.com/office/drawing/2014/main" id="{BDBD970C-01A6-2427-046D-B702A9AAF862}"/>
               </a:ext>
             </a:extLst>
           </p:cNvPr>
@@ -2062,7 +2062,7 @@
           <a:bodyPr/>
           <a:lstStyle/>
           <a:p>
-            <a:fld id="{ED2D97A4-04E9-4A1C-AEB9-4FA7F7D06073}" type="datetimeFigureOut">
+            <a:fld id="{65C96E44-7AFD-4798-A44E-E0AB8E68041E}" type="datetimeFigureOut">
               <a:rPr lang="zh-CN" altLang="en-US" smtClean="0"/>
               <a:t>2024/3/10</a:t>
             </a:fld>
@@ -2075,7 +2075,7 @@
           <p:cNvPr id="3" name="页脚占位符 2">
             <a:extLst>
               <a:ext uri="{FF2B5EF4-FFF2-40B4-BE49-F238E27FC236}">
-                <a16:creationId xmlns:a16="http://schemas.microsoft.com/office/drawing/2014/main" id="{0CE72AF8-E2F0-EF10-0639-701057835DF2}"/>
+                <a16:creationId xmlns:a16="http://schemas.microsoft.com/office/drawing/2014/main" id="{B2B8FBA1-11F7-FEF1-3115-06D767AA9259}"/>
               </a:ext>
             </a:extLst>
           </p:cNvPr>
@@ -2100,7 +2100,7 @@
           <p:cNvPr id="4" name="灯片编号占位符 3">
             <a:extLst>
               <a:ext uri="{FF2B5EF4-FFF2-40B4-BE49-F238E27FC236}">
-                <a16:creationId xmlns:a16="http://schemas.microsoft.com/office/drawing/2014/main" id="{B69084B6-7EBB-20E4-8730-F39FD1B6EB7F}"/>
+                <a16:creationId xmlns:a16="http://schemas.microsoft.com/office/drawing/2014/main" id="{7F434F65-2406-12E4-841D-490B893BF16C}"/>
               </a:ext>
             </a:extLst>
           </p:cNvPr>
@@ -2116,7 +2116,7 @@
           <a:bodyPr/>
           <a:lstStyle/>
           <a:p>
-            <a:fld id="{FEE172F2-02FC-4A46-8400-7EAFED2F0A19}" type="slidenum">
+            <a:fld id="{5C141389-4CEA-421A-92CA-B2C1F24A7D67}" type="slidenum">
               <a:rPr lang="zh-CN" altLang="en-US" smtClean="0"/>
               <a:t>‹#›</a:t>
             </a:fld>
@@ -2127,7 +2127,7 @@
     </p:spTree>
     <p:extLst>
       <p:ext uri="{BB962C8B-B14F-4D97-AF65-F5344CB8AC3E}">
-        <p14:creationId xmlns:p14="http://schemas.microsoft.com/office/powerpoint/2010/main" val="3399298368"/>
+        <p14:creationId xmlns:p14="http://schemas.microsoft.com/office/powerpoint/2010/main" val="2168169771"/>
       </p:ext>
     </p:extLst>
   </p:cSld>
@@ -2159,7 +2159,7 @@
           <p:cNvPr id="2" name="标题 1">
             <a:extLst>
               <a:ext uri="{FF2B5EF4-FFF2-40B4-BE49-F238E27FC236}">
-                <a16:creationId xmlns:a16="http://schemas.microsoft.com/office/drawing/2014/main" id="{3BF777E5-5E70-CD4C-E120-421220C94C32}"/>
+                <a16:creationId xmlns:a16="http://schemas.microsoft.com/office/drawing/2014/main" id="{F60ADAC1-F1E3-B8A0-1BC6-9AE49762E794}"/>
               </a:ext>
             </a:extLst>
           </p:cNvPr>
@@ -2196,7 +2196,7 @@
           <p:cNvPr id="3" name="内容占位符 2">
             <a:extLst>
               <a:ext uri="{FF2B5EF4-FFF2-40B4-BE49-F238E27FC236}">
-                <a16:creationId xmlns:a16="http://schemas.microsoft.com/office/drawing/2014/main" id="{41261201-3451-835E-071C-738262E298AE}"/>
+                <a16:creationId xmlns:a16="http://schemas.microsoft.com/office/drawing/2014/main" id="{FC5D1880-8A0D-CF06-AE0F-F66889C54FDF}"/>
               </a:ext>
             </a:extLst>
           </p:cNvPr>
@@ -2286,7 +2286,7 @@
           <p:cNvPr id="4" name="文本占位符 3">
             <a:extLst>
               <a:ext uri="{FF2B5EF4-FFF2-40B4-BE49-F238E27FC236}">
-                <a16:creationId xmlns:a16="http://schemas.microsoft.com/office/drawing/2014/main" id="{B55E1AEB-3BD4-C1E5-ACF0-6F8928CD698F}"/>
+                <a16:creationId xmlns:a16="http://schemas.microsoft.com/office/drawing/2014/main" id="{84A2989C-D868-1C71-63FE-8EDB5624F847}"/>
               </a:ext>
             </a:extLst>
           </p:cNvPr>
@@ -2357,7 +2357,7 @@
           <p:cNvPr id="5" name="日期占位符 4">
             <a:extLst>
               <a:ext uri="{FF2B5EF4-FFF2-40B4-BE49-F238E27FC236}">
-                <a16:creationId xmlns:a16="http://schemas.microsoft.com/office/drawing/2014/main" id="{1AE2FED0-AEB9-D333-9CD3-E41B9719D8C4}"/>
+                <a16:creationId xmlns:a16="http://schemas.microsoft.com/office/drawing/2014/main" id="{0F461073-E36D-35AF-630B-9AAFAA521246}"/>
               </a:ext>
             </a:extLst>
           </p:cNvPr>
@@ -2373,7 +2373,7 @@
           <a:bodyPr/>
           <a:lstStyle/>
           <a:p>
-            <a:fld id="{ED2D97A4-04E9-4A1C-AEB9-4FA7F7D06073}" type="datetimeFigureOut">
+            <a:fld id="{65C96E44-7AFD-4798-A44E-E0AB8E68041E}" type="datetimeFigureOut">
               <a:rPr lang="zh-CN" altLang="en-US" smtClean="0"/>
               <a:t>2024/3/10</a:t>
             </a:fld>
@@ -2386,7 +2386,7 @@
           <p:cNvPr id="6" name="页脚占位符 5">
             <a:extLst>
               <a:ext uri="{FF2B5EF4-FFF2-40B4-BE49-F238E27FC236}">
-                <a16:creationId xmlns:a16="http://schemas.microsoft.com/office/drawing/2014/main" id="{5AC2D4BD-81B7-730F-BFF4-94BBA14E4F55}"/>
+                <a16:creationId xmlns:a16="http://schemas.microsoft.com/office/drawing/2014/main" id="{C042F314-1119-2871-DA7C-49E0BD134403}"/>
               </a:ext>
             </a:extLst>
           </p:cNvPr>
@@ -2411,7 +2411,7 @@
           <p:cNvPr id="7" name="灯片编号占位符 6">
             <a:extLst>
               <a:ext uri="{FF2B5EF4-FFF2-40B4-BE49-F238E27FC236}">
-                <a16:creationId xmlns:a16="http://schemas.microsoft.com/office/drawing/2014/main" id="{8F5EB17F-879D-6056-34A9-1D38CEEBDA31}"/>
+                <a16:creationId xmlns:a16="http://schemas.microsoft.com/office/drawing/2014/main" id="{FD77F931-EC71-451B-B9CE-32E21930560C}"/>
               </a:ext>
             </a:extLst>
           </p:cNvPr>
@@ -2427,7 +2427,7 @@
           <a:bodyPr/>
           <a:lstStyle/>
           <a:p>
-            <a:fld id="{FEE172F2-02FC-4A46-8400-7EAFED2F0A19}" type="slidenum">
+            <a:fld id="{5C141389-4CEA-421A-92CA-B2C1F24A7D67}" type="slidenum">
               <a:rPr lang="zh-CN" altLang="en-US" smtClean="0"/>
               <a:t>‹#›</a:t>
             </a:fld>
@@ -2438,7 +2438,7 @@
     </p:spTree>
     <p:extLst>
       <p:ext uri="{BB962C8B-B14F-4D97-AF65-F5344CB8AC3E}">
-        <p14:creationId xmlns:p14="http://schemas.microsoft.com/office/powerpoint/2010/main" val="274716427"/>
+        <p14:creationId xmlns:p14="http://schemas.microsoft.com/office/powerpoint/2010/main" val="3956039234"/>
       </p:ext>
     </p:extLst>
   </p:cSld>
@@ -2470,7 +2470,7 @@
           <p:cNvPr id="2" name="标题 1">
             <a:extLst>
               <a:ext uri="{FF2B5EF4-FFF2-40B4-BE49-F238E27FC236}">
-                <a16:creationId xmlns:a16="http://schemas.microsoft.com/office/drawing/2014/main" id="{BDF403DC-A98A-1DAC-FD1E-E789DCD0D8BF}"/>
+                <a16:creationId xmlns:a16="http://schemas.microsoft.com/office/drawing/2014/main" id="{A1687315-A005-11DB-9FB3-9C1871BCA8D8}"/>
               </a:ext>
             </a:extLst>
           </p:cNvPr>
@@ -2507,7 +2507,7 @@
           <p:cNvPr id="3" name="图片占位符 2">
             <a:extLst>
               <a:ext uri="{FF2B5EF4-FFF2-40B4-BE49-F238E27FC236}">
-                <a16:creationId xmlns:a16="http://schemas.microsoft.com/office/drawing/2014/main" id="{2C006EB3-28B1-6256-1145-37F220666D0D}"/>
+                <a16:creationId xmlns:a16="http://schemas.microsoft.com/office/drawing/2014/main" id="{65CC7A04-A478-9903-BD95-F25EF2264DFE}"/>
               </a:ext>
             </a:extLst>
           </p:cNvPr>
@@ -2574,7 +2574,7 @@
           <p:cNvPr id="4" name="文本占位符 3">
             <a:extLst>
               <a:ext uri="{FF2B5EF4-FFF2-40B4-BE49-F238E27FC236}">
-                <a16:creationId xmlns:a16="http://schemas.microsoft.com/office/drawing/2014/main" id="{8C20F911-498B-CCF0-015A-7A6C5A4767F9}"/>
+                <a16:creationId xmlns:a16="http://schemas.microsoft.com/office/drawing/2014/main" id="{33560D59-7852-FBC1-9C2A-4D5331081564}"/>
               </a:ext>
             </a:extLst>
           </p:cNvPr>
@@ -2645,7 +2645,7 @@
           <p:cNvPr id="5" name="日期占位符 4">
             <a:extLst>
               <a:ext uri="{FF2B5EF4-FFF2-40B4-BE49-F238E27FC236}">
-                <a16:creationId xmlns:a16="http://schemas.microsoft.com/office/drawing/2014/main" id="{ECEB94F9-A31A-7EF6-9B6F-17981C9B5A4F}"/>
+                <a16:creationId xmlns:a16="http://schemas.microsoft.com/office/drawing/2014/main" id="{30DB0253-7BAD-09C0-25A5-0E7288F2690A}"/>
               </a:ext>
             </a:extLst>
           </p:cNvPr>
@@ -2661,7 +2661,7 @@
           <a:bodyPr/>
           <a:lstStyle/>
           <a:p>
-            <a:fld id="{ED2D97A4-04E9-4A1C-AEB9-4FA7F7D06073}" type="datetimeFigureOut">
+            <a:fld id="{65C96E44-7AFD-4798-A44E-E0AB8E68041E}" type="datetimeFigureOut">
               <a:rPr lang="zh-CN" altLang="en-US" smtClean="0"/>
               <a:t>2024/3/10</a:t>
             </a:fld>
@@ -2674,7 +2674,7 @@
           <p:cNvPr id="6" name="页脚占位符 5">
             <a:extLst>
               <a:ext uri="{FF2B5EF4-FFF2-40B4-BE49-F238E27FC236}">
-                <a16:creationId xmlns:a16="http://schemas.microsoft.com/office/drawing/2014/main" id="{4B865F28-AE95-0478-39A4-8EC090B6F76B}"/>
+                <a16:creationId xmlns:a16="http://schemas.microsoft.com/office/drawing/2014/main" id="{3ED8F571-C54D-36E5-5A52-5F5FFA352A02}"/>
               </a:ext>
             </a:extLst>
           </p:cNvPr>
@@ -2699,7 +2699,7 @@
           <p:cNvPr id="7" name="灯片编号占位符 6">
             <a:extLst>
               <a:ext uri="{FF2B5EF4-FFF2-40B4-BE49-F238E27FC236}">
-                <a16:creationId xmlns:a16="http://schemas.microsoft.com/office/drawing/2014/main" id="{3AD0B576-C2CF-9B59-06A7-319C6E5BCA9A}"/>
+                <a16:creationId xmlns:a16="http://schemas.microsoft.com/office/drawing/2014/main" id="{FCBF4E7F-EDDE-A4B8-261A-B0C109A27E76}"/>
               </a:ext>
             </a:extLst>
           </p:cNvPr>
@@ -2715,7 +2715,7 @@
           <a:bodyPr/>
           <a:lstStyle/>
           <a:p>
-            <a:fld id="{FEE172F2-02FC-4A46-8400-7EAFED2F0A19}" type="slidenum">
+            <a:fld id="{5C141389-4CEA-421A-92CA-B2C1F24A7D67}" type="slidenum">
               <a:rPr lang="zh-CN" altLang="en-US" smtClean="0"/>
               <a:t>‹#›</a:t>
             </a:fld>
@@ -2726,7 +2726,7 @@
     </p:spTree>
     <p:extLst>
       <p:ext uri="{BB962C8B-B14F-4D97-AF65-F5344CB8AC3E}">
-        <p14:creationId xmlns:p14="http://schemas.microsoft.com/office/powerpoint/2010/main" val="1340398373"/>
+        <p14:creationId xmlns:p14="http://schemas.microsoft.com/office/powerpoint/2010/main" val="3215434425"/>
       </p:ext>
     </p:extLst>
   </p:cSld>
@@ -2763,7 +2763,7 @@
           <p:cNvPr id="2" name="标题占位符 1">
             <a:extLst>
               <a:ext uri="{FF2B5EF4-FFF2-40B4-BE49-F238E27FC236}">
-                <a16:creationId xmlns:a16="http://schemas.microsoft.com/office/drawing/2014/main" id="{3C3539C1-016F-BC3C-1578-E6163702D64E}"/>
+                <a16:creationId xmlns:a16="http://schemas.microsoft.com/office/drawing/2014/main" id="{54215AA9-A50C-4842-E194-762C0DBD78AA}"/>
               </a:ext>
             </a:extLst>
           </p:cNvPr>
@@ -2801,7 +2801,7 @@
           <p:cNvPr id="3" name="文本占位符 2">
             <a:extLst>
               <a:ext uri="{FF2B5EF4-FFF2-40B4-BE49-F238E27FC236}">
-                <a16:creationId xmlns:a16="http://schemas.microsoft.com/office/drawing/2014/main" id="{CB8D2C21-566D-97D4-B908-968928B6478A}"/>
+                <a16:creationId xmlns:a16="http://schemas.microsoft.com/office/drawing/2014/main" id="{E66ABC39-AB87-86AB-59E8-3B953276DE50}"/>
               </a:ext>
             </a:extLst>
           </p:cNvPr>
@@ -2868,7 +2868,7 @@
           <p:cNvPr id="4" name="日期占位符 3">
             <a:extLst>
               <a:ext uri="{FF2B5EF4-FFF2-40B4-BE49-F238E27FC236}">
-                <a16:creationId xmlns:a16="http://schemas.microsoft.com/office/drawing/2014/main" id="{C5E4A9A1-71BC-D6F6-D4CF-F7108CBF87C8}"/>
+                <a16:creationId xmlns:a16="http://schemas.microsoft.com/office/drawing/2014/main" id="{BF53B266-4FF6-438B-1E77-CEDCB358A40D}"/>
               </a:ext>
             </a:extLst>
           </p:cNvPr>
@@ -2902,7 +2902,7 @@
             </a:lvl1pPr>
           </a:lstStyle>
           <a:p>
-            <a:fld id="{ED2D97A4-04E9-4A1C-AEB9-4FA7F7D06073}" type="datetimeFigureOut">
+            <a:fld id="{65C96E44-7AFD-4798-A44E-E0AB8E68041E}" type="datetimeFigureOut">
               <a:rPr lang="zh-CN" altLang="en-US" smtClean="0"/>
               <a:t>2024/3/10</a:t>
             </a:fld>
@@ -2915,7 +2915,7 @@
           <p:cNvPr id="5" name="页脚占位符 4">
             <a:extLst>
               <a:ext uri="{FF2B5EF4-FFF2-40B4-BE49-F238E27FC236}">
-                <a16:creationId xmlns:a16="http://schemas.microsoft.com/office/drawing/2014/main" id="{6109761F-2048-C465-6CA2-BEF5A44161FE}"/>
+                <a16:creationId xmlns:a16="http://schemas.microsoft.com/office/drawing/2014/main" id="{DD8147E4-4DB4-6B43-C65C-C0A6A70B5E6F}"/>
               </a:ext>
             </a:extLst>
           </p:cNvPr>
@@ -2958,7 +2958,7 @@
           <p:cNvPr id="6" name="灯片编号占位符 5">
             <a:extLst>
               <a:ext uri="{FF2B5EF4-FFF2-40B4-BE49-F238E27FC236}">
-                <a16:creationId xmlns:a16="http://schemas.microsoft.com/office/drawing/2014/main" id="{4B3261C1-9283-6997-8C5E-57C0C3A05ECD}"/>
+                <a16:creationId xmlns:a16="http://schemas.microsoft.com/office/drawing/2014/main" id="{12ECD2B9-A9CE-5F8F-AE21-845B5E9D0ECD}"/>
               </a:ext>
             </a:extLst>
           </p:cNvPr>
@@ -2992,7 +2992,7 @@
             </a:lvl1pPr>
           </a:lstStyle>
           <a:p>
-            <a:fld id="{FEE172F2-02FC-4A46-8400-7EAFED2F0A19}" type="slidenum">
+            <a:fld id="{5C141389-4CEA-421A-92CA-B2C1F24A7D67}" type="slidenum">
               <a:rPr lang="zh-CN" altLang="en-US" smtClean="0"/>
               <a:t>‹#›</a:t>
             </a:fld>
@@ -3003,7 +3003,7 @@
     </p:spTree>
     <p:extLst>
       <p:ext uri="{BB962C8B-B14F-4D97-AF65-F5344CB8AC3E}">
-        <p14:creationId xmlns:p14="http://schemas.microsoft.com/office/powerpoint/2010/main" val="2014060009"/>
+        <p14:creationId xmlns:p14="http://schemas.microsoft.com/office/powerpoint/2010/main" val="3008177860"/>
       </p:ext>
     </p:extLst>
   </p:cSld>
@@ -3323,7 +3323,7 @@
       </p:grpSpPr>
       <p:pic>
         <p:nvPicPr>
-          <p:cNvPr id="770050" name="Picture 2" descr="751"/>
+          <p:cNvPr id="771074" name="Picture 2" descr="752"/>
           <p:cNvPicPr>
             <a:picLocks noChangeAspect="1" noChangeArrowheads="1"/>
           </p:cNvPicPr>
